--- a/materials/session_20/T/ML-Session20-T.pptx
+++ b/materials/session_20/T/ML-Session20-T.pptx
@@ -130,8 +130,7 @@
 <file path=ppt/revisionInfo.xml><?xml version="1.0" encoding="utf-8"?>
 <p1510:revInfo xmlns:a="http://schemas.openxmlformats.org/drawingml/2006/main" xmlns:r="http://schemas.openxmlformats.org/officeDocument/2006/relationships" xmlns:p1510="http://schemas.microsoft.com/office/powerpoint/2015/10/main">
   <p1510:revLst>
-    <p1510:client id="{3F8E244C-B334-6EDF-3DB8-887D63C39E7F}" v="1460" dt="2024-05-01T16:28:30.698"/>
-    <p1510:client id="{519A2040-2848-16DF-A6D0-36E64959479D}" v="30" dt="2024-04-30T13:13:50.796"/>
+    <p1510:client id="{2F5BF97C-7231-2E9F-138C-DBCA8EEC693A}" v="20" dt="2024-05-31T10:40:34.715"/>
   </p1510:revLst>
 </p1510:revInfo>
 </file>
@@ -265,7 +264,7 @@
           <a:p>
             <a:fld id="{E431C0BB-DC71-4713-A787-95011EDB8CA8}" type="datetimeFigureOut">
               <a:rPr lang="pt-PT" smtClean="0"/>
-              <a:t>01/05/2024</a:t>
+              <a:t>31/05/2024</a:t>
             </a:fld>
             <a:endParaRPr lang="pt-PT"/>
           </a:p>
@@ -433,7 +432,7 @@
           <a:p>
             <a:fld id="{E431C0BB-DC71-4713-A787-95011EDB8CA8}" type="datetimeFigureOut">
               <a:rPr lang="pt-PT" smtClean="0"/>
-              <a:t>01/05/2024</a:t>
+              <a:t>31/05/2024</a:t>
             </a:fld>
             <a:endParaRPr lang="pt-PT"/>
           </a:p>
@@ -611,7 +610,7 @@
           <a:p>
             <a:fld id="{E431C0BB-DC71-4713-A787-95011EDB8CA8}" type="datetimeFigureOut">
               <a:rPr lang="pt-PT" smtClean="0"/>
-              <a:t>01/05/2024</a:t>
+              <a:t>31/05/2024</a:t>
             </a:fld>
             <a:endParaRPr lang="pt-PT"/>
           </a:p>
@@ -779,7 +778,7 @@
           <a:p>
             <a:fld id="{E431C0BB-DC71-4713-A787-95011EDB8CA8}" type="datetimeFigureOut">
               <a:rPr lang="pt-PT" smtClean="0"/>
-              <a:t>01/05/2024</a:t>
+              <a:t>31/05/2024</a:t>
             </a:fld>
             <a:endParaRPr lang="pt-PT"/>
           </a:p>
@@ -1024,7 +1023,7 @@
           <a:p>
             <a:fld id="{E431C0BB-DC71-4713-A787-95011EDB8CA8}" type="datetimeFigureOut">
               <a:rPr lang="pt-PT" smtClean="0"/>
-              <a:t>01/05/2024</a:t>
+              <a:t>31/05/2024</a:t>
             </a:fld>
             <a:endParaRPr lang="pt-PT"/>
           </a:p>
@@ -1253,7 +1252,7 @@
           <a:p>
             <a:fld id="{E431C0BB-DC71-4713-A787-95011EDB8CA8}" type="datetimeFigureOut">
               <a:rPr lang="pt-PT" smtClean="0"/>
-              <a:t>01/05/2024</a:t>
+              <a:t>31/05/2024</a:t>
             </a:fld>
             <a:endParaRPr lang="pt-PT"/>
           </a:p>
@@ -1617,7 +1616,7 @@
           <a:p>
             <a:fld id="{E431C0BB-DC71-4713-A787-95011EDB8CA8}" type="datetimeFigureOut">
               <a:rPr lang="pt-PT" smtClean="0"/>
-              <a:t>01/05/2024</a:t>
+              <a:t>31/05/2024</a:t>
             </a:fld>
             <a:endParaRPr lang="pt-PT"/>
           </a:p>
@@ -1734,7 +1733,7 @@
           <a:p>
             <a:fld id="{E431C0BB-DC71-4713-A787-95011EDB8CA8}" type="datetimeFigureOut">
               <a:rPr lang="pt-PT" smtClean="0"/>
-              <a:t>01/05/2024</a:t>
+              <a:t>31/05/2024</a:t>
             </a:fld>
             <a:endParaRPr lang="pt-PT"/>
           </a:p>
@@ -1829,7 +1828,7 @@
           <a:p>
             <a:fld id="{E431C0BB-DC71-4713-A787-95011EDB8CA8}" type="datetimeFigureOut">
               <a:rPr lang="pt-PT" smtClean="0"/>
-              <a:t>01/05/2024</a:t>
+              <a:t>31/05/2024</a:t>
             </a:fld>
             <a:endParaRPr lang="pt-PT"/>
           </a:p>
@@ -2104,7 +2103,7 @@
           <a:p>
             <a:fld id="{E431C0BB-DC71-4713-A787-95011EDB8CA8}" type="datetimeFigureOut">
               <a:rPr lang="pt-PT" smtClean="0"/>
-              <a:t>01/05/2024</a:t>
+              <a:t>31/05/2024</a:t>
             </a:fld>
             <a:endParaRPr lang="pt-PT"/>
           </a:p>
@@ -2356,7 +2355,7 @@
           <a:p>
             <a:fld id="{E431C0BB-DC71-4713-A787-95011EDB8CA8}" type="datetimeFigureOut">
               <a:rPr lang="pt-PT" smtClean="0"/>
-              <a:t>01/05/2024</a:t>
+              <a:t>31/05/2024</a:t>
             </a:fld>
             <a:endParaRPr lang="pt-PT"/>
           </a:p>
@@ -2567,7 +2566,7 @@
           <a:p>
             <a:fld id="{E431C0BB-DC71-4713-A787-95011EDB8CA8}" type="datetimeFigureOut">
               <a:rPr lang="pt-PT" smtClean="0"/>
-              <a:t>01/05/2024</a:t>
+              <a:t>31/05/2024</a:t>
             </a:fld>
             <a:endParaRPr lang="pt-PT"/>
           </a:p>
@@ -8689,11 +8688,242 @@
           <a:p>
             <a:pPr algn="just"/>
             <a:r>
-              <a:rPr lang="pt-PT">
-                <a:ea typeface="+mn-lt"/>
-                <a:cs typeface="+mn-lt"/>
-              </a:rPr>
-              <a:t>Rosenblatt, F. (1958). The perceptron: A probabilistic model for information storage and organization in the brain. In Psychological Review (Vol. 65, Issue 6, pp. 386–408). American Psychological Association (APA). </a:t>
+              <a:rPr lang="pt-PT" dirty="0" err="1">
+                <a:ea typeface="+mn-lt"/>
+                <a:cs typeface="+mn-lt"/>
+              </a:rPr>
+              <a:t>Rosenblatt</a:t>
+            </a:r>
+            <a:r>
+              <a:rPr lang="pt-PT" dirty="0">
+                <a:ea typeface="+mn-lt"/>
+                <a:cs typeface="+mn-lt"/>
+              </a:rPr>
+              <a:t>, F. (1958). </a:t>
+            </a:r>
+            <a:r>
+              <a:rPr lang="pt-PT" dirty="0" err="1">
+                <a:ea typeface="+mn-lt"/>
+                <a:cs typeface="+mn-lt"/>
+              </a:rPr>
+              <a:t>The</a:t>
+            </a:r>
+            <a:r>
+              <a:rPr lang="pt-PT" dirty="0">
+                <a:ea typeface="+mn-lt"/>
+                <a:cs typeface="+mn-lt"/>
+              </a:rPr>
+              <a:t> </a:t>
+            </a:r>
+            <a:r>
+              <a:rPr lang="pt-PT" dirty="0" err="1">
+                <a:ea typeface="+mn-lt"/>
+                <a:cs typeface="+mn-lt"/>
+              </a:rPr>
+              <a:t>perceptron</a:t>
+            </a:r>
+            <a:r>
+              <a:rPr lang="pt-PT" dirty="0">
+                <a:ea typeface="+mn-lt"/>
+                <a:cs typeface="+mn-lt"/>
+              </a:rPr>
+              <a:t>: A </a:t>
+            </a:r>
+            <a:r>
+              <a:rPr lang="pt-PT" dirty="0" err="1">
+                <a:ea typeface="+mn-lt"/>
+                <a:cs typeface="+mn-lt"/>
+              </a:rPr>
+              <a:t>probabilistic</a:t>
+            </a:r>
+            <a:r>
+              <a:rPr lang="pt-PT" dirty="0">
+                <a:ea typeface="+mn-lt"/>
+                <a:cs typeface="+mn-lt"/>
+              </a:rPr>
+              <a:t> </a:t>
+            </a:r>
+            <a:r>
+              <a:rPr lang="pt-PT" dirty="0" err="1">
+                <a:ea typeface="+mn-lt"/>
+                <a:cs typeface="+mn-lt"/>
+              </a:rPr>
+              <a:t>model</a:t>
+            </a:r>
+            <a:r>
+              <a:rPr lang="pt-PT" dirty="0">
+                <a:ea typeface="+mn-lt"/>
+                <a:cs typeface="+mn-lt"/>
+              </a:rPr>
+              <a:t> for </a:t>
+            </a:r>
+            <a:r>
+              <a:rPr lang="pt-PT" dirty="0" err="1">
+                <a:ea typeface="+mn-lt"/>
+                <a:cs typeface="+mn-lt"/>
+              </a:rPr>
+              <a:t>information</a:t>
+            </a:r>
+            <a:r>
+              <a:rPr lang="pt-PT" dirty="0">
+                <a:ea typeface="+mn-lt"/>
+                <a:cs typeface="+mn-lt"/>
+              </a:rPr>
+              <a:t> </a:t>
+            </a:r>
+            <a:r>
+              <a:rPr lang="pt-PT" dirty="0" err="1">
+                <a:ea typeface="+mn-lt"/>
+                <a:cs typeface="+mn-lt"/>
+              </a:rPr>
+              <a:t>storage</a:t>
+            </a:r>
+            <a:r>
+              <a:rPr lang="pt-PT" dirty="0">
+                <a:ea typeface="+mn-lt"/>
+                <a:cs typeface="+mn-lt"/>
+              </a:rPr>
+              <a:t> </a:t>
+            </a:r>
+            <a:r>
+              <a:rPr lang="pt-PT" dirty="0" err="1">
+                <a:ea typeface="+mn-lt"/>
+                <a:cs typeface="+mn-lt"/>
+              </a:rPr>
+              <a:t>and</a:t>
+            </a:r>
+            <a:r>
+              <a:rPr lang="pt-PT" dirty="0">
+                <a:ea typeface="+mn-lt"/>
+                <a:cs typeface="+mn-lt"/>
+              </a:rPr>
+              <a:t> </a:t>
+            </a:r>
+            <a:r>
+              <a:rPr lang="pt-PT" dirty="0" err="1">
+                <a:ea typeface="+mn-lt"/>
+                <a:cs typeface="+mn-lt"/>
+              </a:rPr>
+              <a:t>organization</a:t>
+            </a:r>
+            <a:r>
+              <a:rPr lang="pt-PT" dirty="0">
+                <a:ea typeface="+mn-lt"/>
+                <a:cs typeface="+mn-lt"/>
+              </a:rPr>
+              <a:t> in </a:t>
+            </a:r>
+            <a:r>
+              <a:rPr lang="pt-PT" dirty="0" err="1">
+                <a:ea typeface="+mn-lt"/>
+                <a:cs typeface="+mn-lt"/>
+              </a:rPr>
+              <a:t>the</a:t>
+            </a:r>
+            <a:r>
+              <a:rPr lang="pt-PT" dirty="0">
+                <a:ea typeface="+mn-lt"/>
+                <a:cs typeface="+mn-lt"/>
+              </a:rPr>
+              <a:t> </a:t>
+            </a:r>
+            <a:r>
+              <a:rPr lang="pt-PT" dirty="0" err="1">
+                <a:ea typeface="+mn-lt"/>
+                <a:cs typeface="+mn-lt"/>
+              </a:rPr>
+              <a:t>brain</a:t>
+            </a:r>
+            <a:r>
+              <a:rPr lang="pt-PT" dirty="0">
+                <a:ea typeface="+mn-lt"/>
+                <a:cs typeface="+mn-lt"/>
+              </a:rPr>
+              <a:t>. In </a:t>
+            </a:r>
+            <a:r>
+              <a:rPr lang="pt-PT" dirty="0" err="1">
+                <a:ea typeface="+mn-lt"/>
+                <a:cs typeface="+mn-lt"/>
+              </a:rPr>
+              <a:t>Psychological</a:t>
+            </a:r>
+            <a:r>
+              <a:rPr lang="pt-PT" dirty="0">
+                <a:ea typeface="+mn-lt"/>
+                <a:cs typeface="+mn-lt"/>
+              </a:rPr>
+              <a:t> </a:t>
+            </a:r>
+            <a:r>
+              <a:rPr lang="pt-PT" dirty="0" err="1">
+                <a:ea typeface="+mn-lt"/>
+                <a:cs typeface="+mn-lt"/>
+              </a:rPr>
+              <a:t>Review</a:t>
+            </a:r>
+            <a:r>
+              <a:rPr lang="pt-PT" dirty="0">
+                <a:ea typeface="+mn-lt"/>
+                <a:cs typeface="+mn-lt"/>
+              </a:rPr>
+              <a:t> (Vol. 65, </a:t>
+            </a:r>
+            <a:r>
+              <a:rPr lang="pt-PT" dirty="0" err="1">
+                <a:ea typeface="+mn-lt"/>
+                <a:cs typeface="+mn-lt"/>
+              </a:rPr>
+              <a:t>Issue</a:t>
+            </a:r>
+            <a:r>
+              <a:rPr lang="pt-PT" dirty="0">
+                <a:ea typeface="+mn-lt"/>
+                <a:cs typeface="+mn-lt"/>
+              </a:rPr>
+              <a:t> 6, pp. 386–408). </a:t>
+            </a:r>
+            <a:r>
+              <a:rPr lang="pt-PT" dirty="0" err="1">
+                <a:ea typeface="+mn-lt"/>
+                <a:cs typeface="+mn-lt"/>
+              </a:rPr>
+              <a:t>American</a:t>
+            </a:r>
+            <a:r>
+              <a:rPr lang="pt-PT" dirty="0">
+                <a:ea typeface="+mn-lt"/>
+                <a:cs typeface="+mn-lt"/>
+              </a:rPr>
+              <a:t> </a:t>
+            </a:r>
+            <a:r>
+              <a:rPr lang="pt-PT" dirty="0" err="1">
+                <a:ea typeface="+mn-lt"/>
+                <a:cs typeface="+mn-lt"/>
+              </a:rPr>
+              <a:t>Psychological</a:t>
+            </a:r>
+            <a:r>
+              <a:rPr lang="pt-PT" dirty="0">
+                <a:ea typeface="+mn-lt"/>
+                <a:cs typeface="+mn-lt"/>
+              </a:rPr>
+              <a:t> </a:t>
+            </a:r>
+            <a:r>
+              <a:rPr lang="pt-PT" dirty="0" err="1">
+                <a:ea typeface="+mn-lt"/>
+                <a:cs typeface="+mn-lt"/>
+              </a:rPr>
+              <a:t>Association</a:t>
+            </a:r>
+            <a:r>
+              <a:rPr lang="pt-PT" dirty="0">
+                <a:ea typeface="+mn-lt"/>
+                <a:cs typeface="+mn-lt"/>
+              </a:rPr>
+              <a:t> (APA). </a:t>
             </a:r>
             <a:r>
               <a:rPr lang="pt-PT" dirty="0">
@@ -13353,7 +13583,7 @@
         </p:nvCxnSpPr>
         <p:spPr>
           <a:xfrm flipH="1">
-            <a:off x="4901513" y="2914136"/>
+            <a:off x="5879756" y="2914136"/>
             <a:ext cx="545756" cy="308918"/>
           </a:xfrm>
           <a:prstGeom prst="straightConnector1">
@@ -13395,7 +13625,7 @@
         </p:nvSpPr>
         <p:spPr>
           <a:xfrm>
-            <a:off x="4108621" y="3212757"/>
+            <a:off x="5086864" y="3212757"/>
             <a:ext cx="2743199" cy="365760"/>
           </a:xfrm>
           <a:prstGeom prst="rect">
@@ -13437,7 +13667,7 @@
         </p:nvSpPr>
         <p:spPr>
           <a:xfrm>
-            <a:off x="5807675" y="3212757"/>
+            <a:off x="6785919" y="3212757"/>
             <a:ext cx="2743199" cy="365760"/>
           </a:xfrm>
           <a:prstGeom prst="rect">
@@ -13477,7 +13707,7 @@
         </p:nvCxnSpPr>
         <p:spPr>
           <a:xfrm>
-            <a:off x="5828268" y="2914136"/>
+            <a:off x="6806511" y="2914136"/>
             <a:ext cx="782597" cy="308919"/>
           </a:xfrm>
           <a:prstGeom prst="straightConnector1">
@@ -13519,7 +13749,7 @@
         </p:nvSpPr>
         <p:spPr>
           <a:xfrm>
-            <a:off x="6631459" y="2234513"/>
+            <a:off x="7517026" y="2234513"/>
             <a:ext cx="2743199" cy="365760"/>
           </a:xfrm>
           <a:prstGeom prst="rect">
@@ -13559,7 +13789,7 @@
         </p:nvCxnSpPr>
         <p:spPr>
           <a:xfrm flipV="1">
-            <a:off x="6229862" y="2440459"/>
+            <a:off x="7115430" y="2440459"/>
             <a:ext cx="391301" cy="144164"/>
           </a:xfrm>
           <a:prstGeom prst="straightConnector1">
